--- a/ppt 16-9/1324.清心祷告主.pptx
+++ b/ppt 16-9/1324.清心祷告主.pptx
@@ -129,7 +129,7 @@
           <p:cNvPr id="2" name="标题 1">
             <a:extLst>
               <a:ext uri="{FF2B5EF4-FFF2-40B4-BE49-F238E27FC236}">
-                <a16:creationId xmlns:a16="http://schemas.microsoft.com/office/drawing/2014/main" id="{DA5E2974-38C7-DAE7-F058-C1EAF0A92966}"/>
+                <a16:creationId xmlns:a16="http://schemas.microsoft.com/office/drawing/2014/main" id="{8B610E6A-B7AC-A464-3A8C-48C15A42372E}"/>
               </a:ext>
             </a:extLst>
           </p:cNvPr>
@@ -166,7 +166,7 @@
           <p:cNvPr id="3" name="副标题 2">
             <a:extLst>
               <a:ext uri="{FF2B5EF4-FFF2-40B4-BE49-F238E27FC236}">
-                <a16:creationId xmlns:a16="http://schemas.microsoft.com/office/drawing/2014/main" id="{AF788DF7-8973-3066-BC6C-A78D65BC542D}"/>
+                <a16:creationId xmlns:a16="http://schemas.microsoft.com/office/drawing/2014/main" id="{0D8984B5-B5FB-605F-95D0-F0BD8DEFBE4C}"/>
               </a:ext>
             </a:extLst>
           </p:cNvPr>
@@ -236,7 +236,7 @@
           <p:cNvPr id="4" name="日期占位符 3">
             <a:extLst>
               <a:ext uri="{FF2B5EF4-FFF2-40B4-BE49-F238E27FC236}">
-                <a16:creationId xmlns:a16="http://schemas.microsoft.com/office/drawing/2014/main" id="{10E1950B-A8D4-5DE8-B002-E722D34EFBF4}"/>
+                <a16:creationId xmlns:a16="http://schemas.microsoft.com/office/drawing/2014/main" id="{E0F0F4FE-1CF0-F67E-B0EA-4AA4563E0076}"/>
               </a:ext>
             </a:extLst>
           </p:cNvPr>
@@ -252,7 +252,7 @@
           <a:bodyPr/>
           <a:lstStyle/>
           <a:p>
-            <a:fld id="{BBE479BB-A120-486D-8D22-D22312E2202B}" type="datetimeFigureOut">
+            <a:fld id="{4FF7A9BF-A4A7-4BDF-95D9-7841AD8D10DD}" type="datetimeFigureOut">
               <a:rPr lang="zh-CN" altLang="en-US" smtClean="0"/>
               <a:t>2024/3/10</a:t>
             </a:fld>
@@ -265,7 +265,7 @@
           <p:cNvPr id="5" name="页脚占位符 4">
             <a:extLst>
               <a:ext uri="{FF2B5EF4-FFF2-40B4-BE49-F238E27FC236}">
-                <a16:creationId xmlns:a16="http://schemas.microsoft.com/office/drawing/2014/main" id="{0A5E5808-C712-ADA5-7BFA-182ADFD092B8}"/>
+                <a16:creationId xmlns:a16="http://schemas.microsoft.com/office/drawing/2014/main" id="{05264D64-6D21-34D7-F1E4-2F40488A3702}"/>
               </a:ext>
             </a:extLst>
           </p:cNvPr>
@@ -290,7 +290,7 @@
           <p:cNvPr id="6" name="灯片编号占位符 5">
             <a:extLst>
               <a:ext uri="{FF2B5EF4-FFF2-40B4-BE49-F238E27FC236}">
-                <a16:creationId xmlns:a16="http://schemas.microsoft.com/office/drawing/2014/main" id="{3495EFDD-6609-B2D9-AE11-2E7F84A08499}"/>
+                <a16:creationId xmlns:a16="http://schemas.microsoft.com/office/drawing/2014/main" id="{CE60823E-0D51-86BB-ACD7-67CCA6042BD3}"/>
               </a:ext>
             </a:extLst>
           </p:cNvPr>
@@ -306,7 +306,7 @@
           <a:bodyPr/>
           <a:lstStyle/>
           <a:p>
-            <a:fld id="{55547954-A86C-4CB2-967D-8ABA269C4514}" type="slidenum">
+            <a:fld id="{019DBFB5-5FE1-4056-A486-C821812BF274}" type="slidenum">
               <a:rPr lang="zh-CN" altLang="en-US" smtClean="0"/>
               <a:t>‹#›</a:t>
             </a:fld>
@@ -317,7 +317,7 @@
     </p:spTree>
     <p:extLst>
       <p:ext uri="{BB962C8B-B14F-4D97-AF65-F5344CB8AC3E}">
-        <p14:creationId xmlns:p14="http://schemas.microsoft.com/office/powerpoint/2010/main" val="3211168624"/>
+        <p14:creationId xmlns:p14="http://schemas.microsoft.com/office/powerpoint/2010/main" val="2945697931"/>
       </p:ext>
     </p:extLst>
   </p:cSld>
@@ -349,7 +349,7 @@
           <p:cNvPr id="2" name="标题 1">
             <a:extLst>
               <a:ext uri="{FF2B5EF4-FFF2-40B4-BE49-F238E27FC236}">
-                <a16:creationId xmlns:a16="http://schemas.microsoft.com/office/drawing/2014/main" id="{76638BB8-C05A-0AE6-4737-898F30D30D0C}"/>
+                <a16:creationId xmlns:a16="http://schemas.microsoft.com/office/drawing/2014/main" id="{DDE2CC67-1955-4012-0F82-9DA48BCEDE09}"/>
               </a:ext>
             </a:extLst>
           </p:cNvPr>
@@ -377,7 +377,7 @@
           <p:cNvPr id="3" name="竖排文字占位符 2">
             <a:extLst>
               <a:ext uri="{FF2B5EF4-FFF2-40B4-BE49-F238E27FC236}">
-                <a16:creationId xmlns:a16="http://schemas.microsoft.com/office/drawing/2014/main" id="{173B8FDC-C0B3-7182-6558-9B2FA73D16DC}"/>
+                <a16:creationId xmlns:a16="http://schemas.microsoft.com/office/drawing/2014/main" id="{93A39CBF-1B2C-B257-0661-B5C75608A788}"/>
               </a:ext>
             </a:extLst>
           </p:cNvPr>
@@ -434,7 +434,7 @@
           <p:cNvPr id="4" name="日期占位符 3">
             <a:extLst>
               <a:ext uri="{FF2B5EF4-FFF2-40B4-BE49-F238E27FC236}">
-                <a16:creationId xmlns:a16="http://schemas.microsoft.com/office/drawing/2014/main" id="{4A5A6F57-52C7-47E9-E9A2-A934B4BE7491}"/>
+                <a16:creationId xmlns:a16="http://schemas.microsoft.com/office/drawing/2014/main" id="{C81A9342-A427-5E88-4289-FFF205BCEDF1}"/>
               </a:ext>
             </a:extLst>
           </p:cNvPr>
@@ -450,7 +450,7 @@
           <a:bodyPr/>
           <a:lstStyle/>
           <a:p>
-            <a:fld id="{BBE479BB-A120-486D-8D22-D22312E2202B}" type="datetimeFigureOut">
+            <a:fld id="{4FF7A9BF-A4A7-4BDF-95D9-7841AD8D10DD}" type="datetimeFigureOut">
               <a:rPr lang="zh-CN" altLang="en-US" smtClean="0"/>
               <a:t>2024/3/10</a:t>
             </a:fld>
@@ -463,7 +463,7 @@
           <p:cNvPr id="5" name="页脚占位符 4">
             <a:extLst>
               <a:ext uri="{FF2B5EF4-FFF2-40B4-BE49-F238E27FC236}">
-                <a16:creationId xmlns:a16="http://schemas.microsoft.com/office/drawing/2014/main" id="{99A2F289-8073-84B8-003B-1D2E507D96BD}"/>
+                <a16:creationId xmlns:a16="http://schemas.microsoft.com/office/drawing/2014/main" id="{4159123D-9601-AC4D-CE27-E734DB800797}"/>
               </a:ext>
             </a:extLst>
           </p:cNvPr>
@@ -488,7 +488,7 @@
           <p:cNvPr id="6" name="灯片编号占位符 5">
             <a:extLst>
               <a:ext uri="{FF2B5EF4-FFF2-40B4-BE49-F238E27FC236}">
-                <a16:creationId xmlns:a16="http://schemas.microsoft.com/office/drawing/2014/main" id="{1E0A1B57-8173-03A9-F60A-6EDC25A24876}"/>
+                <a16:creationId xmlns:a16="http://schemas.microsoft.com/office/drawing/2014/main" id="{AC78502F-03CD-B34F-FAC4-223A5E9D8AAB}"/>
               </a:ext>
             </a:extLst>
           </p:cNvPr>
@@ -504,7 +504,7 @@
           <a:bodyPr/>
           <a:lstStyle/>
           <a:p>
-            <a:fld id="{55547954-A86C-4CB2-967D-8ABA269C4514}" type="slidenum">
+            <a:fld id="{019DBFB5-5FE1-4056-A486-C821812BF274}" type="slidenum">
               <a:rPr lang="zh-CN" altLang="en-US" smtClean="0"/>
               <a:t>‹#›</a:t>
             </a:fld>
@@ -515,7 +515,7 @@
     </p:spTree>
     <p:extLst>
       <p:ext uri="{BB962C8B-B14F-4D97-AF65-F5344CB8AC3E}">
-        <p14:creationId xmlns:p14="http://schemas.microsoft.com/office/powerpoint/2010/main" val="2185041590"/>
+        <p14:creationId xmlns:p14="http://schemas.microsoft.com/office/powerpoint/2010/main" val="978078381"/>
       </p:ext>
     </p:extLst>
   </p:cSld>
@@ -547,7 +547,7 @@
           <p:cNvPr id="2" name="竖排标题 1">
             <a:extLst>
               <a:ext uri="{FF2B5EF4-FFF2-40B4-BE49-F238E27FC236}">
-                <a16:creationId xmlns:a16="http://schemas.microsoft.com/office/drawing/2014/main" id="{815E89EA-6519-DE0D-FADC-99E3B28AE0E9}"/>
+                <a16:creationId xmlns:a16="http://schemas.microsoft.com/office/drawing/2014/main" id="{86E60804-2FF1-E37C-7A5B-896B557D36C5}"/>
               </a:ext>
             </a:extLst>
           </p:cNvPr>
@@ -580,7 +580,7 @@
           <p:cNvPr id="3" name="竖排文字占位符 2">
             <a:extLst>
               <a:ext uri="{FF2B5EF4-FFF2-40B4-BE49-F238E27FC236}">
-                <a16:creationId xmlns:a16="http://schemas.microsoft.com/office/drawing/2014/main" id="{9CC36BF4-8DFB-CA1A-C874-980EE9692A67}"/>
+                <a16:creationId xmlns:a16="http://schemas.microsoft.com/office/drawing/2014/main" id="{1A92641B-2810-9002-9895-8B9487CC1730}"/>
               </a:ext>
             </a:extLst>
           </p:cNvPr>
@@ -642,7 +642,7 @@
           <p:cNvPr id="4" name="日期占位符 3">
             <a:extLst>
               <a:ext uri="{FF2B5EF4-FFF2-40B4-BE49-F238E27FC236}">
-                <a16:creationId xmlns:a16="http://schemas.microsoft.com/office/drawing/2014/main" id="{42DEC501-BF20-660B-5FAA-2461C26E5EC5}"/>
+                <a16:creationId xmlns:a16="http://schemas.microsoft.com/office/drawing/2014/main" id="{C417B7CA-FBEA-4EF3-A60D-5D7CF6F2AB7D}"/>
               </a:ext>
             </a:extLst>
           </p:cNvPr>
@@ -658,7 +658,7 @@
           <a:bodyPr/>
           <a:lstStyle/>
           <a:p>
-            <a:fld id="{BBE479BB-A120-486D-8D22-D22312E2202B}" type="datetimeFigureOut">
+            <a:fld id="{4FF7A9BF-A4A7-4BDF-95D9-7841AD8D10DD}" type="datetimeFigureOut">
               <a:rPr lang="zh-CN" altLang="en-US" smtClean="0"/>
               <a:t>2024/3/10</a:t>
             </a:fld>
@@ -671,7 +671,7 @@
           <p:cNvPr id="5" name="页脚占位符 4">
             <a:extLst>
               <a:ext uri="{FF2B5EF4-FFF2-40B4-BE49-F238E27FC236}">
-                <a16:creationId xmlns:a16="http://schemas.microsoft.com/office/drawing/2014/main" id="{4B42D06B-E13B-7B51-F33E-B97D6945A0B8}"/>
+                <a16:creationId xmlns:a16="http://schemas.microsoft.com/office/drawing/2014/main" id="{6631309B-76FB-A70E-70BB-4DA75CB404B3}"/>
               </a:ext>
             </a:extLst>
           </p:cNvPr>
@@ -696,7 +696,7 @@
           <p:cNvPr id="6" name="灯片编号占位符 5">
             <a:extLst>
               <a:ext uri="{FF2B5EF4-FFF2-40B4-BE49-F238E27FC236}">
-                <a16:creationId xmlns:a16="http://schemas.microsoft.com/office/drawing/2014/main" id="{702D74DD-D2E7-E993-4BAE-C6000D0090B1}"/>
+                <a16:creationId xmlns:a16="http://schemas.microsoft.com/office/drawing/2014/main" id="{A2FD8C9C-CDE3-1777-7646-3A3AA3617855}"/>
               </a:ext>
             </a:extLst>
           </p:cNvPr>
@@ -712,7 +712,7 @@
           <a:bodyPr/>
           <a:lstStyle/>
           <a:p>
-            <a:fld id="{55547954-A86C-4CB2-967D-8ABA269C4514}" type="slidenum">
+            <a:fld id="{019DBFB5-5FE1-4056-A486-C821812BF274}" type="slidenum">
               <a:rPr lang="zh-CN" altLang="en-US" smtClean="0"/>
               <a:t>‹#›</a:t>
             </a:fld>
@@ -723,7 +723,7 @@
     </p:spTree>
     <p:extLst>
       <p:ext uri="{BB962C8B-B14F-4D97-AF65-F5344CB8AC3E}">
-        <p14:creationId xmlns:p14="http://schemas.microsoft.com/office/powerpoint/2010/main" val="4229998764"/>
+        <p14:creationId xmlns:p14="http://schemas.microsoft.com/office/powerpoint/2010/main" val="3359077457"/>
       </p:ext>
     </p:extLst>
   </p:cSld>
@@ -755,7 +755,7 @@
           <p:cNvPr id="2" name="标题 1">
             <a:extLst>
               <a:ext uri="{FF2B5EF4-FFF2-40B4-BE49-F238E27FC236}">
-                <a16:creationId xmlns:a16="http://schemas.microsoft.com/office/drawing/2014/main" id="{28E8D155-F67F-F41D-EADF-5098724E361A}"/>
+                <a16:creationId xmlns:a16="http://schemas.microsoft.com/office/drawing/2014/main" id="{0434E236-70D9-8979-8421-DEA66DD0227A}"/>
               </a:ext>
             </a:extLst>
           </p:cNvPr>
@@ -783,7 +783,7 @@
           <p:cNvPr id="3" name="内容占位符 2">
             <a:extLst>
               <a:ext uri="{FF2B5EF4-FFF2-40B4-BE49-F238E27FC236}">
-                <a16:creationId xmlns:a16="http://schemas.microsoft.com/office/drawing/2014/main" id="{8358D48A-19C9-3854-D36B-46B499BBB890}"/>
+                <a16:creationId xmlns:a16="http://schemas.microsoft.com/office/drawing/2014/main" id="{22BF6280-94B9-A16B-7BC9-DA88582C57DB}"/>
               </a:ext>
             </a:extLst>
           </p:cNvPr>
@@ -840,7 +840,7 @@
           <p:cNvPr id="4" name="日期占位符 3">
             <a:extLst>
               <a:ext uri="{FF2B5EF4-FFF2-40B4-BE49-F238E27FC236}">
-                <a16:creationId xmlns:a16="http://schemas.microsoft.com/office/drawing/2014/main" id="{2F1CF9AF-4699-C2D0-8C1E-8AC7C2F6A2DD}"/>
+                <a16:creationId xmlns:a16="http://schemas.microsoft.com/office/drawing/2014/main" id="{568592C9-9ED5-7F97-868D-3BFFF8BDC5FE}"/>
               </a:ext>
             </a:extLst>
           </p:cNvPr>
@@ -856,7 +856,7 @@
           <a:bodyPr/>
           <a:lstStyle/>
           <a:p>
-            <a:fld id="{BBE479BB-A120-486D-8D22-D22312E2202B}" type="datetimeFigureOut">
+            <a:fld id="{4FF7A9BF-A4A7-4BDF-95D9-7841AD8D10DD}" type="datetimeFigureOut">
               <a:rPr lang="zh-CN" altLang="en-US" smtClean="0"/>
               <a:t>2024/3/10</a:t>
             </a:fld>
@@ -869,7 +869,7 @@
           <p:cNvPr id="5" name="页脚占位符 4">
             <a:extLst>
               <a:ext uri="{FF2B5EF4-FFF2-40B4-BE49-F238E27FC236}">
-                <a16:creationId xmlns:a16="http://schemas.microsoft.com/office/drawing/2014/main" id="{C644FECB-29A4-666B-3397-782297111953}"/>
+                <a16:creationId xmlns:a16="http://schemas.microsoft.com/office/drawing/2014/main" id="{438083B6-4192-19BE-8EE8-310CDC752BEB}"/>
               </a:ext>
             </a:extLst>
           </p:cNvPr>
@@ -894,7 +894,7 @@
           <p:cNvPr id="6" name="灯片编号占位符 5">
             <a:extLst>
               <a:ext uri="{FF2B5EF4-FFF2-40B4-BE49-F238E27FC236}">
-                <a16:creationId xmlns:a16="http://schemas.microsoft.com/office/drawing/2014/main" id="{7A486C51-6EEA-BFDA-F559-F5C35248291B}"/>
+                <a16:creationId xmlns:a16="http://schemas.microsoft.com/office/drawing/2014/main" id="{F1926403-8848-9652-162C-24343BFB2BF4}"/>
               </a:ext>
             </a:extLst>
           </p:cNvPr>
@@ -910,7 +910,7 @@
           <a:bodyPr/>
           <a:lstStyle/>
           <a:p>
-            <a:fld id="{55547954-A86C-4CB2-967D-8ABA269C4514}" type="slidenum">
+            <a:fld id="{019DBFB5-5FE1-4056-A486-C821812BF274}" type="slidenum">
               <a:rPr lang="zh-CN" altLang="en-US" smtClean="0"/>
               <a:t>‹#›</a:t>
             </a:fld>
@@ -921,7 +921,7 @@
     </p:spTree>
     <p:extLst>
       <p:ext uri="{BB962C8B-B14F-4D97-AF65-F5344CB8AC3E}">
-        <p14:creationId xmlns:p14="http://schemas.microsoft.com/office/powerpoint/2010/main" val="355367069"/>
+        <p14:creationId xmlns:p14="http://schemas.microsoft.com/office/powerpoint/2010/main" val="1702481089"/>
       </p:ext>
     </p:extLst>
   </p:cSld>
@@ -953,7 +953,7 @@
           <p:cNvPr id="2" name="标题 1">
             <a:extLst>
               <a:ext uri="{FF2B5EF4-FFF2-40B4-BE49-F238E27FC236}">
-                <a16:creationId xmlns:a16="http://schemas.microsoft.com/office/drawing/2014/main" id="{31DFB50D-EA16-8B12-0B9A-8DC28A5352EE}"/>
+                <a16:creationId xmlns:a16="http://schemas.microsoft.com/office/drawing/2014/main" id="{5900CF85-212F-22C3-7D40-1B2422B4E09B}"/>
               </a:ext>
             </a:extLst>
           </p:cNvPr>
@@ -990,7 +990,7 @@
           <p:cNvPr id="3" name="文本占位符 2">
             <a:extLst>
               <a:ext uri="{FF2B5EF4-FFF2-40B4-BE49-F238E27FC236}">
-                <a16:creationId xmlns:a16="http://schemas.microsoft.com/office/drawing/2014/main" id="{B36DDD03-F1B5-57AF-9C7F-4CFFBCBA6A6D}"/>
+                <a16:creationId xmlns:a16="http://schemas.microsoft.com/office/drawing/2014/main" id="{EAFA9AAA-2DDC-0A97-85B2-51922B55F410}"/>
               </a:ext>
             </a:extLst>
           </p:cNvPr>
@@ -1115,7 +1115,7 @@
           <p:cNvPr id="4" name="日期占位符 3">
             <a:extLst>
               <a:ext uri="{FF2B5EF4-FFF2-40B4-BE49-F238E27FC236}">
-                <a16:creationId xmlns:a16="http://schemas.microsoft.com/office/drawing/2014/main" id="{64552212-2830-8B88-34FD-7F02CBAE6AA9}"/>
+                <a16:creationId xmlns:a16="http://schemas.microsoft.com/office/drawing/2014/main" id="{C122C841-C704-5AED-5F7D-8467BA6936CC}"/>
               </a:ext>
             </a:extLst>
           </p:cNvPr>
@@ -1131,7 +1131,7 @@
           <a:bodyPr/>
           <a:lstStyle/>
           <a:p>
-            <a:fld id="{BBE479BB-A120-486D-8D22-D22312E2202B}" type="datetimeFigureOut">
+            <a:fld id="{4FF7A9BF-A4A7-4BDF-95D9-7841AD8D10DD}" type="datetimeFigureOut">
               <a:rPr lang="zh-CN" altLang="en-US" smtClean="0"/>
               <a:t>2024/3/10</a:t>
             </a:fld>
@@ -1144,7 +1144,7 @@
           <p:cNvPr id="5" name="页脚占位符 4">
             <a:extLst>
               <a:ext uri="{FF2B5EF4-FFF2-40B4-BE49-F238E27FC236}">
-                <a16:creationId xmlns:a16="http://schemas.microsoft.com/office/drawing/2014/main" id="{47E95562-7E85-EC24-3079-889836E89724}"/>
+                <a16:creationId xmlns:a16="http://schemas.microsoft.com/office/drawing/2014/main" id="{248B008F-5DFE-E8A9-5A1A-E4AAC17F2578}"/>
               </a:ext>
             </a:extLst>
           </p:cNvPr>
@@ -1169,7 +1169,7 @@
           <p:cNvPr id="6" name="灯片编号占位符 5">
             <a:extLst>
               <a:ext uri="{FF2B5EF4-FFF2-40B4-BE49-F238E27FC236}">
-                <a16:creationId xmlns:a16="http://schemas.microsoft.com/office/drawing/2014/main" id="{8709FC50-65F1-AEE1-FCC1-611738706F79}"/>
+                <a16:creationId xmlns:a16="http://schemas.microsoft.com/office/drawing/2014/main" id="{3AA7AFEA-99B5-E03D-6E08-DE8F273A6DC7}"/>
               </a:ext>
             </a:extLst>
           </p:cNvPr>
@@ -1185,7 +1185,7 @@
           <a:bodyPr/>
           <a:lstStyle/>
           <a:p>
-            <a:fld id="{55547954-A86C-4CB2-967D-8ABA269C4514}" type="slidenum">
+            <a:fld id="{019DBFB5-5FE1-4056-A486-C821812BF274}" type="slidenum">
               <a:rPr lang="zh-CN" altLang="en-US" smtClean="0"/>
               <a:t>‹#›</a:t>
             </a:fld>
@@ -1196,7 +1196,7 @@
     </p:spTree>
     <p:extLst>
       <p:ext uri="{BB962C8B-B14F-4D97-AF65-F5344CB8AC3E}">
-        <p14:creationId xmlns:p14="http://schemas.microsoft.com/office/powerpoint/2010/main" val="2936747763"/>
+        <p14:creationId xmlns:p14="http://schemas.microsoft.com/office/powerpoint/2010/main" val="655722148"/>
       </p:ext>
     </p:extLst>
   </p:cSld>
@@ -1228,7 +1228,7 @@
           <p:cNvPr id="2" name="标题 1">
             <a:extLst>
               <a:ext uri="{FF2B5EF4-FFF2-40B4-BE49-F238E27FC236}">
-                <a16:creationId xmlns:a16="http://schemas.microsoft.com/office/drawing/2014/main" id="{B14C602D-59D7-7DD8-74F8-4B4B52028C56}"/>
+                <a16:creationId xmlns:a16="http://schemas.microsoft.com/office/drawing/2014/main" id="{BCE38F9C-AE8D-16D0-3689-3F0DB6479A24}"/>
               </a:ext>
             </a:extLst>
           </p:cNvPr>
@@ -1256,7 +1256,7 @@
           <p:cNvPr id="3" name="内容占位符 2">
             <a:extLst>
               <a:ext uri="{FF2B5EF4-FFF2-40B4-BE49-F238E27FC236}">
-                <a16:creationId xmlns:a16="http://schemas.microsoft.com/office/drawing/2014/main" id="{A47B6325-340E-4DCF-823A-2FA19F4E2751}"/>
+                <a16:creationId xmlns:a16="http://schemas.microsoft.com/office/drawing/2014/main" id="{7A591B79-D913-6F62-9087-D5B5395C6110}"/>
               </a:ext>
             </a:extLst>
           </p:cNvPr>
@@ -1318,7 +1318,7 @@
           <p:cNvPr id="4" name="内容占位符 3">
             <a:extLst>
               <a:ext uri="{FF2B5EF4-FFF2-40B4-BE49-F238E27FC236}">
-                <a16:creationId xmlns:a16="http://schemas.microsoft.com/office/drawing/2014/main" id="{6562C14D-CDEA-A91A-ACE4-D0F097C3B48F}"/>
+                <a16:creationId xmlns:a16="http://schemas.microsoft.com/office/drawing/2014/main" id="{4F5840FD-A549-734F-0A2C-9CE63522B718}"/>
               </a:ext>
             </a:extLst>
           </p:cNvPr>
@@ -1380,7 +1380,7 @@
           <p:cNvPr id="5" name="日期占位符 4">
             <a:extLst>
               <a:ext uri="{FF2B5EF4-FFF2-40B4-BE49-F238E27FC236}">
-                <a16:creationId xmlns:a16="http://schemas.microsoft.com/office/drawing/2014/main" id="{D17B8231-14D0-D5AF-2AFC-AD8C6FCC9617}"/>
+                <a16:creationId xmlns:a16="http://schemas.microsoft.com/office/drawing/2014/main" id="{CAB995F2-5468-D633-EE2B-E4CC732C2CD8}"/>
               </a:ext>
             </a:extLst>
           </p:cNvPr>
@@ -1396,7 +1396,7 @@
           <a:bodyPr/>
           <a:lstStyle/>
           <a:p>
-            <a:fld id="{BBE479BB-A120-486D-8D22-D22312E2202B}" type="datetimeFigureOut">
+            <a:fld id="{4FF7A9BF-A4A7-4BDF-95D9-7841AD8D10DD}" type="datetimeFigureOut">
               <a:rPr lang="zh-CN" altLang="en-US" smtClean="0"/>
               <a:t>2024/3/10</a:t>
             </a:fld>
@@ -1409,7 +1409,7 @@
           <p:cNvPr id="6" name="页脚占位符 5">
             <a:extLst>
               <a:ext uri="{FF2B5EF4-FFF2-40B4-BE49-F238E27FC236}">
-                <a16:creationId xmlns:a16="http://schemas.microsoft.com/office/drawing/2014/main" id="{E3E85B09-6926-AA33-CD15-CFFB2BC70081}"/>
+                <a16:creationId xmlns:a16="http://schemas.microsoft.com/office/drawing/2014/main" id="{F72DD45B-FCFF-02B2-1193-9F324D86A754}"/>
               </a:ext>
             </a:extLst>
           </p:cNvPr>
@@ -1434,7 +1434,7 @@
           <p:cNvPr id="7" name="灯片编号占位符 6">
             <a:extLst>
               <a:ext uri="{FF2B5EF4-FFF2-40B4-BE49-F238E27FC236}">
-                <a16:creationId xmlns:a16="http://schemas.microsoft.com/office/drawing/2014/main" id="{94B1E799-C82E-D466-5EE4-F9AE7A13EC5A}"/>
+                <a16:creationId xmlns:a16="http://schemas.microsoft.com/office/drawing/2014/main" id="{946328B8-0858-8F90-F6AE-D45BB3575305}"/>
               </a:ext>
             </a:extLst>
           </p:cNvPr>
@@ -1450,7 +1450,7 @@
           <a:bodyPr/>
           <a:lstStyle/>
           <a:p>
-            <a:fld id="{55547954-A86C-4CB2-967D-8ABA269C4514}" type="slidenum">
+            <a:fld id="{019DBFB5-5FE1-4056-A486-C821812BF274}" type="slidenum">
               <a:rPr lang="zh-CN" altLang="en-US" smtClean="0"/>
               <a:t>‹#›</a:t>
             </a:fld>
@@ -1461,7 +1461,7 @@
     </p:spTree>
     <p:extLst>
       <p:ext uri="{BB962C8B-B14F-4D97-AF65-F5344CB8AC3E}">
-        <p14:creationId xmlns:p14="http://schemas.microsoft.com/office/powerpoint/2010/main" val="363219389"/>
+        <p14:creationId xmlns:p14="http://schemas.microsoft.com/office/powerpoint/2010/main" val="69553871"/>
       </p:ext>
     </p:extLst>
   </p:cSld>
@@ -1493,7 +1493,7 @@
           <p:cNvPr id="2" name="标题 1">
             <a:extLst>
               <a:ext uri="{FF2B5EF4-FFF2-40B4-BE49-F238E27FC236}">
-                <a16:creationId xmlns:a16="http://schemas.microsoft.com/office/drawing/2014/main" id="{861FA263-D9A1-0F9C-5C9D-7CED490A2117}"/>
+                <a16:creationId xmlns:a16="http://schemas.microsoft.com/office/drawing/2014/main" id="{4CFB968B-A24F-9C48-9A6B-1BE3D4130392}"/>
               </a:ext>
             </a:extLst>
           </p:cNvPr>
@@ -1526,7 +1526,7 @@
           <p:cNvPr id="3" name="文本占位符 2">
             <a:extLst>
               <a:ext uri="{FF2B5EF4-FFF2-40B4-BE49-F238E27FC236}">
-                <a16:creationId xmlns:a16="http://schemas.microsoft.com/office/drawing/2014/main" id="{DC6DD50D-6FCB-EB48-CBCC-EF7EFE8C2350}"/>
+                <a16:creationId xmlns:a16="http://schemas.microsoft.com/office/drawing/2014/main" id="{5BC40A5E-4C82-F7F5-D561-B7090F8E5F3A}"/>
               </a:ext>
             </a:extLst>
           </p:cNvPr>
@@ -1597,7 +1597,7 @@
           <p:cNvPr id="4" name="内容占位符 3">
             <a:extLst>
               <a:ext uri="{FF2B5EF4-FFF2-40B4-BE49-F238E27FC236}">
-                <a16:creationId xmlns:a16="http://schemas.microsoft.com/office/drawing/2014/main" id="{29AA783B-077C-729D-4DE6-2C2010738252}"/>
+                <a16:creationId xmlns:a16="http://schemas.microsoft.com/office/drawing/2014/main" id="{FBDAC744-F26B-6726-5BCA-48FB5815FDC6}"/>
               </a:ext>
             </a:extLst>
           </p:cNvPr>
@@ -1659,7 +1659,7 @@
           <p:cNvPr id="5" name="文本占位符 4">
             <a:extLst>
               <a:ext uri="{FF2B5EF4-FFF2-40B4-BE49-F238E27FC236}">
-                <a16:creationId xmlns:a16="http://schemas.microsoft.com/office/drawing/2014/main" id="{B61F0DC2-B91C-8810-7B7A-8099A9756BA1}"/>
+                <a16:creationId xmlns:a16="http://schemas.microsoft.com/office/drawing/2014/main" id="{BD734896-6680-0FC8-6192-F16948D79E1A}"/>
               </a:ext>
             </a:extLst>
           </p:cNvPr>
@@ -1730,7 +1730,7 @@
           <p:cNvPr id="6" name="内容占位符 5">
             <a:extLst>
               <a:ext uri="{FF2B5EF4-FFF2-40B4-BE49-F238E27FC236}">
-                <a16:creationId xmlns:a16="http://schemas.microsoft.com/office/drawing/2014/main" id="{24C57C3F-A713-195A-B073-50046BBC8A56}"/>
+                <a16:creationId xmlns:a16="http://schemas.microsoft.com/office/drawing/2014/main" id="{CE53AAE0-058B-E730-DFF2-1E0280DD2D91}"/>
               </a:ext>
             </a:extLst>
           </p:cNvPr>
@@ -1792,7 +1792,7 @@
           <p:cNvPr id="7" name="日期占位符 6">
             <a:extLst>
               <a:ext uri="{FF2B5EF4-FFF2-40B4-BE49-F238E27FC236}">
-                <a16:creationId xmlns:a16="http://schemas.microsoft.com/office/drawing/2014/main" id="{E17ED3E5-4171-FBF1-AB2E-085914D4866C}"/>
+                <a16:creationId xmlns:a16="http://schemas.microsoft.com/office/drawing/2014/main" id="{81311BBD-692A-F18F-AEF2-637CCA9E5786}"/>
               </a:ext>
             </a:extLst>
           </p:cNvPr>
@@ -1808,7 +1808,7 @@
           <a:bodyPr/>
           <a:lstStyle/>
           <a:p>
-            <a:fld id="{BBE479BB-A120-486D-8D22-D22312E2202B}" type="datetimeFigureOut">
+            <a:fld id="{4FF7A9BF-A4A7-4BDF-95D9-7841AD8D10DD}" type="datetimeFigureOut">
               <a:rPr lang="zh-CN" altLang="en-US" smtClean="0"/>
               <a:t>2024/3/10</a:t>
             </a:fld>
@@ -1821,7 +1821,7 @@
           <p:cNvPr id="8" name="页脚占位符 7">
             <a:extLst>
               <a:ext uri="{FF2B5EF4-FFF2-40B4-BE49-F238E27FC236}">
-                <a16:creationId xmlns:a16="http://schemas.microsoft.com/office/drawing/2014/main" id="{C3159C89-477B-4568-216B-2559A621096D}"/>
+                <a16:creationId xmlns:a16="http://schemas.microsoft.com/office/drawing/2014/main" id="{03EC3DD7-03E8-1A14-F9AE-1087A837D350}"/>
               </a:ext>
             </a:extLst>
           </p:cNvPr>
@@ -1846,7 +1846,7 @@
           <p:cNvPr id="9" name="灯片编号占位符 8">
             <a:extLst>
               <a:ext uri="{FF2B5EF4-FFF2-40B4-BE49-F238E27FC236}">
-                <a16:creationId xmlns:a16="http://schemas.microsoft.com/office/drawing/2014/main" id="{329FA605-5C8B-E442-2079-76FECB26491E}"/>
+                <a16:creationId xmlns:a16="http://schemas.microsoft.com/office/drawing/2014/main" id="{CB0191A3-CB80-ABE6-65CF-99D18EB24712}"/>
               </a:ext>
             </a:extLst>
           </p:cNvPr>
@@ -1862,7 +1862,7 @@
           <a:bodyPr/>
           <a:lstStyle/>
           <a:p>
-            <a:fld id="{55547954-A86C-4CB2-967D-8ABA269C4514}" type="slidenum">
+            <a:fld id="{019DBFB5-5FE1-4056-A486-C821812BF274}" type="slidenum">
               <a:rPr lang="zh-CN" altLang="en-US" smtClean="0"/>
               <a:t>‹#›</a:t>
             </a:fld>
@@ -1873,7 +1873,7 @@
     </p:spTree>
     <p:extLst>
       <p:ext uri="{BB962C8B-B14F-4D97-AF65-F5344CB8AC3E}">
-        <p14:creationId xmlns:p14="http://schemas.microsoft.com/office/powerpoint/2010/main" val="4166311135"/>
+        <p14:creationId xmlns:p14="http://schemas.microsoft.com/office/powerpoint/2010/main" val="1369301842"/>
       </p:ext>
     </p:extLst>
   </p:cSld>
@@ -1905,7 +1905,7 @@
           <p:cNvPr id="2" name="标题 1">
             <a:extLst>
               <a:ext uri="{FF2B5EF4-FFF2-40B4-BE49-F238E27FC236}">
-                <a16:creationId xmlns:a16="http://schemas.microsoft.com/office/drawing/2014/main" id="{23B6014D-16B5-5EDF-CE10-C492945CB9F8}"/>
+                <a16:creationId xmlns:a16="http://schemas.microsoft.com/office/drawing/2014/main" id="{0928C2B9-F918-35FF-D9A3-FB14515D6412}"/>
               </a:ext>
             </a:extLst>
           </p:cNvPr>
@@ -1933,7 +1933,7 @@
           <p:cNvPr id="3" name="日期占位符 2">
             <a:extLst>
               <a:ext uri="{FF2B5EF4-FFF2-40B4-BE49-F238E27FC236}">
-                <a16:creationId xmlns:a16="http://schemas.microsoft.com/office/drawing/2014/main" id="{B0080372-3E1B-18A1-78F0-0D707D1B29F9}"/>
+                <a16:creationId xmlns:a16="http://schemas.microsoft.com/office/drawing/2014/main" id="{A3BB77A2-B7C1-7065-D027-7F65BCCF8CB0}"/>
               </a:ext>
             </a:extLst>
           </p:cNvPr>
@@ -1949,7 +1949,7 @@
           <a:bodyPr/>
           <a:lstStyle/>
           <a:p>
-            <a:fld id="{BBE479BB-A120-486D-8D22-D22312E2202B}" type="datetimeFigureOut">
+            <a:fld id="{4FF7A9BF-A4A7-4BDF-95D9-7841AD8D10DD}" type="datetimeFigureOut">
               <a:rPr lang="zh-CN" altLang="en-US" smtClean="0"/>
               <a:t>2024/3/10</a:t>
             </a:fld>
@@ -1962,7 +1962,7 @@
           <p:cNvPr id="4" name="页脚占位符 3">
             <a:extLst>
               <a:ext uri="{FF2B5EF4-FFF2-40B4-BE49-F238E27FC236}">
-                <a16:creationId xmlns:a16="http://schemas.microsoft.com/office/drawing/2014/main" id="{EFB06098-9588-C463-3187-0476C23959DB}"/>
+                <a16:creationId xmlns:a16="http://schemas.microsoft.com/office/drawing/2014/main" id="{5ED7EAB4-44F8-5F86-2CC0-C0720C7AD220}"/>
               </a:ext>
             </a:extLst>
           </p:cNvPr>
@@ -1987,7 +1987,7 @@
           <p:cNvPr id="5" name="灯片编号占位符 4">
             <a:extLst>
               <a:ext uri="{FF2B5EF4-FFF2-40B4-BE49-F238E27FC236}">
-                <a16:creationId xmlns:a16="http://schemas.microsoft.com/office/drawing/2014/main" id="{FDD3203A-C84E-7092-CA53-47A4532D5A10}"/>
+                <a16:creationId xmlns:a16="http://schemas.microsoft.com/office/drawing/2014/main" id="{ADA930E8-E594-B62E-F4FD-E5B74D20D1FA}"/>
               </a:ext>
             </a:extLst>
           </p:cNvPr>
@@ -2003,7 +2003,7 @@
           <a:bodyPr/>
           <a:lstStyle/>
           <a:p>
-            <a:fld id="{55547954-A86C-4CB2-967D-8ABA269C4514}" type="slidenum">
+            <a:fld id="{019DBFB5-5FE1-4056-A486-C821812BF274}" type="slidenum">
               <a:rPr lang="zh-CN" altLang="en-US" smtClean="0"/>
               <a:t>‹#›</a:t>
             </a:fld>
@@ -2014,7 +2014,7 @@
     </p:spTree>
     <p:extLst>
       <p:ext uri="{BB962C8B-B14F-4D97-AF65-F5344CB8AC3E}">
-        <p14:creationId xmlns:p14="http://schemas.microsoft.com/office/powerpoint/2010/main" val="4181127381"/>
+        <p14:creationId xmlns:p14="http://schemas.microsoft.com/office/powerpoint/2010/main" val="2083751782"/>
       </p:ext>
     </p:extLst>
   </p:cSld>
@@ -2046,7 +2046,7 @@
           <p:cNvPr id="2" name="日期占位符 1">
             <a:extLst>
               <a:ext uri="{FF2B5EF4-FFF2-40B4-BE49-F238E27FC236}">
-                <a16:creationId xmlns:a16="http://schemas.microsoft.com/office/drawing/2014/main" id="{B0A70494-797A-2793-1020-904A10E682E5}"/>
+                <a16:creationId xmlns:a16="http://schemas.microsoft.com/office/drawing/2014/main" id="{C71F4817-A642-4E2F-38FD-EE044C5AB7C7}"/>
               </a:ext>
             </a:extLst>
           </p:cNvPr>
@@ -2062,7 +2062,7 @@
           <a:bodyPr/>
           <a:lstStyle/>
           <a:p>
-            <a:fld id="{BBE479BB-A120-486D-8D22-D22312E2202B}" type="datetimeFigureOut">
+            <a:fld id="{4FF7A9BF-A4A7-4BDF-95D9-7841AD8D10DD}" type="datetimeFigureOut">
               <a:rPr lang="zh-CN" altLang="en-US" smtClean="0"/>
               <a:t>2024/3/10</a:t>
             </a:fld>
@@ -2075,7 +2075,7 @@
           <p:cNvPr id="3" name="页脚占位符 2">
             <a:extLst>
               <a:ext uri="{FF2B5EF4-FFF2-40B4-BE49-F238E27FC236}">
-                <a16:creationId xmlns:a16="http://schemas.microsoft.com/office/drawing/2014/main" id="{BD9637DE-B5FF-A466-4DAF-C2B1F6CDFBD0}"/>
+                <a16:creationId xmlns:a16="http://schemas.microsoft.com/office/drawing/2014/main" id="{CAC98DBD-BE4A-130E-83DA-F06818CAF5C0}"/>
               </a:ext>
             </a:extLst>
           </p:cNvPr>
@@ -2100,7 +2100,7 @@
           <p:cNvPr id="4" name="灯片编号占位符 3">
             <a:extLst>
               <a:ext uri="{FF2B5EF4-FFF2-40B4-BE49-F238E27FC236}">
-                <a16:creationId xmlns:a16="http://schemas.microsoft.com/office/drawing/2014/main" id="{014FCD68-4BD1-DCBD-F57A-15F3C63E5736}"/>
+                <a16:creationId xmlns:a16="http://schemas.microsoft.com/office/drawing/2014/main" id="{35372D96-E42C-A686-4B2B-174AC6EF0F25}"/>
               </a:ext>
             </a:extLst>
           </p:cNvPr>
@@ -2116,7 +2116,7 @@
           <a:bodyPr/>
           <a:lstStyle/>
           <a:p>
-            <a:fld id="{55547954-A86C-4CB2-967D-8ABA269C4514}" type="slidenum">
+            <a:fld id="{019DBFB5-5FE1-4056-A486-C821812BF274}" type="slidenum">
               <a:rPr lang="zh-CN" altLang="en-US" smtClean="0"/>
               <a:t>‹#›</a:t>
             </a:fld>
@@ -2127,7 +2127,7 @@
     </p:spTree>
     <p:extLst>
       <p:ext uri="{BB962C8B-B14F-4D97-AF65-F5344CB8AC3E}">
-        <p14:creationId xmlns:p14="http://schemas.microsoft.com/office/powerpoint/2010/main" val="2191276554"/>
+        <p14:creationId xmlns:p14="http://schemas.microsoft.com/office/powerpoint/2010/main" val="2129553713"/>
       </p:ext>
     </p:extLst>
   </p:cSld>
@@ -2159,7 +2159,7 @@
           <p:cNvPr id="2" name="标题 1">
             <a:extLst>
               <a:ext uri="{FF2B5EF4-FFF2-40B4-BE49-F238E27FC236}">
-                <a16:creationId xmlns:a16="http://schemas.microsoft.com/office/drawing/2014/main" id="{EF9BD02C-BD55-4C10-0C09-B3E57186EEA3}"/>
+                <a16:creationId xmlns:a16="http://schemas.microsoft.com/office/drawing/2014/main" id="{2E744ADA-A994-65AE-765B-6D9FC0E91289}"/>
               </a:ext>
             </a:extLst>
           </p:cNvPr>
@@ -2196,7 +2196,7 @@
           <p:cNvPr id="3" name="内容占位符 2">
             <a:extLst>
               <a:ext uri="{FF2B5EF4-FFF2-40B4-BE49-F238E27FC236}">
-                <a16:creationId xmlns:a16="http://schemas.microsoft.com/office/drawing/2014/main" id="{1E8D52F7-9EC2-AE68-6516-2FE11A5BEEBE}"/>
+                <a16:creationId xmlns:a16="http://schemas.microsoft.com/office/drawing/2014/main" id="{24B010D5-B712-2764-2718-1FAE79C7512E}"/>
               </a:ext>
             </a:extLst>
           </p:cNvPr>
@@ -2286,7 +2286,7 @@
           <p:cNvPr id="4" name="文本占位符 3">
             <a:extLst>
               <a:ext uri="{FF2B5EF4-FFF2-40B4-BE49-F238E27FC236}">
-                <a16:creationId xmlns:a16="http://schemas.microsoft.com/office/drawing/2014/main" id="{BD6A1D41-2819-DC77-D948-90C414C3E508}"/>
+                <a16:creationId xmlns:a16="http://schemas.microsoft.com/office/drawing/2014/main" id="{CE39F621-6E60-DB84-886C-9A192C8020D8}"/>
               </a:ext>
             </a:extLst>
           </p:cNvPr>
@@ -2357,7 +2357,7 @@
           <p:cNvPr id="5" name="日期占位符 4">
             <a:extLst>
               <a:ext uri="{FF2B5EF4-FFF2-40B4-BE49-F238E27FC236}">
-                <a16:creationId xmlns:a16="http://schemas.microsoft.com/office/drawing/2014/main" id="{1FDF9678-E3AF-6452-5BDE-D3A3A5D01768}"/>
+                <a16:creationId xmlns:a16="http://schemas.microsoft.com/office/drawing/2014/main" id="{0329F6F6-7A4F-6012-C1E2-42DEA07AEFED}"/>
               </a:ext>
             </a:extLst>
           </p:cNvPr>
@@ -2373,7 +2373,7 @@
           <a:bodyPr/>
           <a:lstStyle/>
           <a:p>
-            <a:fld id="{BBE479BB-A120-486D-8D22-D22312E2202B}" type="datetimeFigureOut">
+            <a:fld id="{4FF7A9BF-A4A7-4BDF-95D9-7841AD8D10DD}" type="datetimeFigureOut">
               <a:rPr lang="zh-CN" altLang="en-US" smtClean="0"/>
               <a:t>2024/3/10</a:t>
             </a:fld>
@@ -2386,7 +2386,7 @@
           <p:cNvPr id="6" name="页脚占位符 5">
             <a:extLst>
               <a:ext uri="{FF2B5EF4-FFF2-40B4-BE49-F238E27FC236}">
-                <a16:creationId xmlns:a16="http://schemas.microsoft.com/office/drawing/2014/main" id="{E97F545C-B5C2-ED5B-2BA2-F1C3CDE242FF}"/>
+                <a16:creationId xmlns:a16="http://schemas.microsoft.com/office/drawing/2014/main" id="{9A01B482-2BC9-3F16-6F6E-D49D1D04F09C}"/>
               </a:ext>
             </a:extLst>
           </p:cNvPr>
@@ -2411,7 +2411,7 @@
           <p:cNvPr id="7" name="灯片编号占位符 6">
             <a:extLst>
               <a:ext uri="{FF2B5EF4-FFF2-40B4-BE49-F238E27FC236}">
-                <a16:creationId xmlns:a16="http://schemas.microsoft.com/office/drawing/2014/main" id="{21AB5D92-A781-02A2-980D-72523AE14D6C}"/>
+                <a16:creationId xmlns:a16="http://schemas.microsoft.com/office/drawing/2014/main" id="{79ED14FD-3566-FD5B-CC92-568F39FB994B}"/>
               </a:ext>
             </a:extLst>
           </p:cNvPr>
@@ -2427,7 +2427,7 @@
           <a:bodyPr/>
           <a:lstStyle/>
           <a:p>
-            <a:fld id="{55547954-A86C-4CB2-967D-8ABA269C4514}" type="slidenum">
+            <a:fld id="{019DBFB5-5FE1-4056-A486-C821812BF274}" type="slidenum">
               <a:rPr lang="zh-CN" altLang="en-US" smtClean="0"/>
               <a:t>‹#›</a:t>
             </a:fld>
@@ -2438,7 +2438,7 @@
     </p:spTree>
     <p:extLst>
       <p:ext uri="{BB962C8B-B14F-4D97-AF65-F5344CB8AC3E}">
-        <p14:creationId xmlns:p14="http://schemas.microsoft.com/office/powerpoint/2010/main" val="1103758096"/>
+        <p14:creationId xmlns:p14="http://schemas.microsoft.com/office/powerpoint/2010/main" val="621880428"/>
       </p:ext>
     </p:extLst>
   </p:cSld>
@@ -2470,7 +2470,7 @@
           <p:cNvPr id="2" name="标题 1">
             <a:extLst>
               <a:ext uri="{FF2B5EF4-FFF2-40B4-BE49-F238E27FC236}">
-                <a16:creationId xmlns:a16="http://schemas.microsoft.com/office/drawing/2014/main" id="{92E172E5-8794-FEED-1344-B987D8A6FEA1}"/>
+                <a16:creationId xmlns:a16="http://schemas.microsoft.com/office/drawing/2014/main" id="{E8F0A955-9928-CF87-3D78-B95CF44E8654}"/>
               </a:ext>
             </a:extLst>
           </p:cNvPr>
@@ -2507,7 +2507,7 @@
           <p:cNvPr id="3" name="图片占位符 2">
             <a:extLst>
               <a:ext uri="{FF2B5EF4-FFF2-40B4-BE49-F238E27FC236}">
-                <a16:creationId xmlns:a16="http://schemas.microsoft.com/office/drawing/2014/main" id="{C6B7B3CA-9A35-FD37-EBA6-FB3CA1004794}"/>
+                <a16:creationId xmlns:a16="http://schemas.microsoft.com/office/drawing/2014/main" id="{872C8D39-6978-9566-6B91-3DAC69114C33}"/>
               </a:ext>
             </a:extLst>
           </p:cNvPr>
@@ -2574,7 +2574,7 @@
           <p:cNvPr id="4" name="文本占位符 3">
             <a:extLst>
               <a:ext uri="{FF2B5EF4-FFF2-40B4-BE49-F238E27FC236}">
-                <a16:creationId xmlns:a16="http://schemas.microsoft.com/office/drawing/2014/main" id="{E3A245B4-4471-539C-A39D-1D25F707DDAE}"/>
+                <a16:creationId xmlns:a16="http://schemas.microsoft.com/office/drawing/2014/main" id="{BBA8BF40-936B-A06C-DFF3-31E95DC7E076}"/>
               </a:ext>
             </a:extLst>
           </p:cNvPr>
@@ -2645,7 +2645,7 @@
           <p:cNvPr id="5" name="日期占位符 4">
             <a:extLst>
               <a:ext uri="{FF2B5EF4-FFF2-40B4-BE49-F238E27FC236}">
-                <a16:creationId xmlns:a16="http://schemas.microsoft.com/office/drawing/2014/main" id="{ED105239-B547-C9D0-E1A5-682D2E11581A}"/>
+                <a16:creationId xmlns:a16="http://schemas.microsoft.com/office/drawing/2014/main" id="{56DFAE0D-56C2-3685-C2D8-EEA23E9C386D}"/>
               </a:ext>
             </a:extLst>
           </p:cNvPr>
@@ -2661,7 +2661,7 @@
           <a:bodyPr/>
           <a:lstStyle/>
           <a:p>
-            <a:fld id="{BBE479BB-A120-486D-8D22-D22312E2202B}" type="datetimeFigureOut">
+            <a:fld id="{4FF7A9BF-A4A7-4BDF-95D9-7841AD8D10DD}" type="datetimeFigureOut">
               <a:rPr lang="zh-CN" altLang="en-US" smtClean="0"/>
               <a:t>2024/3/10</a:t>
             </a:fld>
@@ -2674,7 +2674,7 @@
           <p:cNvPr id="6" name="页脚占位符 5">
             <a:extLst>
               <a:ext uri="{FF2B5EF4-FFF2-40B4-BE49-F238E27FC236}">
-                <a16:creationId xmlns:a16="http://schemas.microsoft.com/office/drawing/2014/main" id="{0300AB70-D9F3-A8E8-2FC8-4CE33454F6C7}"/>
+                <a16:creationId xmlns:a16="http://schemas.microsoft.com/office/drawing/2014/main" id="{7E4DAC77-0653-7632-44FB-7BF3183A1C7C}"/>
               </a:ext>
             </a:extLst>
           </p:cNvPr>
@@ -2699,7 +2699,7 @@
           <p:cNvPr id="7" name="灯片编号占位符 6">
             <a:extLst>
               <a:ext uri="{FF2B5EF4-FFF2-40B4-BE49-F238E27FC236}">
-                <a16:creationId xmlns:a16="http://schemas.microsoft.com/office/drawing/2014/main" id="{1477DF92-BD07-2302-3EE2-A4EE887CA74A}"/>
+                <a16:creationId xmlns:a16="http://schemas.microsoft.com/office/drawing/2014/main" id="{080B0DE5-7657-E2AC-BF73-0582B8D1CDB1}"/>
               </a:ext>
             </a:extLst>
           </p:cNvPr>
@@ -2715,7 +2715,7 @@
           <a:bodyPr/>
           <a:lstStyle/>
           <a:p>
-            <a:fld id="{55547954-A86C-4CB2-967D-8ABA269C4514}" type="slidenum">
+            <a:fld id="{019DBFB5-5FE1-4056-A486-C821812BF274}" type="slidenum">
               <a:rPr lang="zh-CN" altLang="en-US" smtClean="0"/>
               <a:t>‹#›</a:t>
             </a:fld>
@@ -2726,7 +2726,7 @@
     </p:spTree>
     <p:extLst>
       <p:ext uri="{BB962C8B-B14F-4D97-AF65-F5344CB8AC3E}">
-        <p14:creationId xmlns:p14="http://schemas.microsoft.com/office/powerpoint/2010/main" val="750154624"/>
+        <p14:creationId xmlns:p14="http://schemas.microsoft.com/office/powerpoint/2010/main" val="1801045549"/>
       </p:ext>
     </p:extLst>
   </p:cSld>
@@ -2763,7 +2763,7 @@
           <p:cNvPr id="2" name="标题占位符 1">
             <a:extLst>
               <a:ext uri="{FF2B5EF4-FFF2-40B4-BE49-F238E27FC236}">
-                <a16:creationId xmlns:a16="http://schemas.microsoft.com/office/drawing/2014/main" id="{C93C6081-FAB6-D952-41B4-2089B11E8AFF}"/>
+                <a16:creationId xmlns:a16="http://schemas.microsoft.com/office/drawing/2014/main" id="{79FE031C-1B75-E313-3CE2-A63B66F94148}"/>
               </a:ext>
             </a:extLst>
           </p:cNvPr>
@@ -2801,7 +2801,7 @@
           <p:cNvPr id="3" name="文本占位符 2">
             <a:extLst>
               <a:ext uri="{FF2B5EF4-FFF2-40B4-BE49-F238E27FC236}">
-                <a16:creationId xmlns:a16="http://schemas.microsoft.com/office/drawing/2014/main" id="{E09B0015-CEC5-EA1C-EE5A-EF83998BA9DE}"/>
+                <a16:creationId xmlns:a16="http://schemas.microsoft.com/office/drawing/2014/main" id="{8C0D2F08-FCD3-7FF2-EFBD-B0A60A8E475F}"/>
               </a:ext>
             </a:extLst>
           </p:cNvPr>
@@ -2868,7 +2868,7 @@
           <p:cNvPr id="4" name="日期占位符 3">
             <a:extLst>
               <a:ext uri="{FF2B5EF4-FFF2-40B4-BE49-F238E27FC236}">
-                <a16:creationId xmlns:a16="http://schemas.microsoft.com/office/drawing/2014/main" id="{4067E0B3-E5A3-9099-B684-7E8CD6B83D11}"/>
+                <a16:creationId xmlns:a16="http://schemas.microsoft.com/office/drawing/2014/main" id="{89B78AF8-1F1B-FEED-685D-F94B0F6BA4EA}"/>
               </a:ext>
             </a:extLst>
           </p:cNvPr>
@@ -2902,7 +2902,7 @@
             </a:lvl1pPr>
           </a:lstStyle>
           <a:p>
-            <a:fld id="{BBE479BB-A120-486D-8D22-D22312E2202B}" type="datetimeFigureOut">
+            <a:fld id="{4FF7A9BF-A4A7-4BDF-95D9-7841AD8D10DD}" type="datetimeFigureOut">
               <a:rPr lang="zh-CN" altLang="en-US" smtClean="0"/>
               <a:t>2024/3/10</a:t>
             </a:fld>
@@ -2915,7 +2915,7 @@
           <p:cNvPr id="5" name="页脚占位符 4">
             <a:extLst>
               <a:ext uri="{FF2B5EF4-FFF2-40B4-BE49-F238E27FC236}">
-                <a16:creationId xmlns:a16="http://schemas.microsoft.com/office/drawing/2014/main" id="{C4B5B12C-F27F-54F0-D267-9A36B6F5F789}"/>
+                <a16:creationId xmlns:a16="http://schemas.microsoft.com/office/drawing/2014/main" id="{3492EDDA-D18C-9EBF-AA80-6FF158FBAD5B}"/>
               </a:ext>
             </a:extLst>
           </p:cNvPr>
@@ -2958,7 +2958,7 @@
           <p:cNvPr id="6" name="灯片编号占位符 5">
             <a:extLst>
               <a:ext uri="{FF2B5EF4-FFF2-40B4-BE49-F238E27FC236}">
-                <a16:creationId xmlns:a16="http://schemas.microsoft.com/office/drawing/2014/main" id="{52BCE350-9FE1-B91F-8806-C356D1A090DF}"/>
+                <a16:creationId xmlns:a16="http://schemas.microsoft.com/office/drawing/2014/main" id="{0BE88877-616E-98E6-5436-0BA99235FDAA}"/>
               </a:ext>
             </a:extLst>
           </p:cNvPr>
@@ -2992,7 +2992,7 @@
             </a:lvl1pPr>
           </a:lstStyle>
           <a:p>
-            <a:fld id="{55547954-A86C-4CB2-967D-8ABA269C4514}" type="slidenum">
+            <a:fld id="{019DBFB5-5FE1-4056-A486-C821812BF274}" type="slidenum">
               <a:rPr lang="zh-CN" altLang="en-US" smtClean="0"/>
               <a:t>‹#›</a:t>
             </a:fld>
@@ -3003,7 +3003,7 @@
     </p:spTree>
     <p:extLst>
       <p:ext uri="{BB962C8B-B14F-4D97-AF65-F5344CB8AC3E}">
-        <p14:creationId xmlns:p14="http://schemas.microsoft.com/office/powerpoint/2010/main" val="1054585892"/>
+        <p14:creationId xmlns:p14="http://schemas.microsoft.com/office/powerpoint/2010/main" val="3750311742"/>
       </p:ext>
     </p:extLst>
   </p:cSld>
